--- a/Agile.pptx
+++ b/Agile.pptx
@@ -11802,6 +11802,36 @@
           <a:xfrm>
             <a:off x="0" y="2052477"/>
             <a:ext cx="9144000" cy="3173175"/>
+          </a:xfrm>
+          <a:prstGeom prst="rect">
+            <a:avLst/>
+          </a:prstGeom>
+        </p:spPr>
+      </p:pic>
+      <p:pic>
+        <p:nvPicPr>
+          <p:cNvPr id="7" name="Picture 6">
+            <a:extLst>
+              <a:ext uri="{FF2B5EF4-FFF2-40B4-BE49-F238E27FC236}">
+                <a16:creationId xmlns:a16="http://schemas.microsoft.com/office/drawing/2014/main" id="{9DA4A3D9-4133-F067-73C2-5A1BAC9AD57E}"/>
+              </a:ext>
+            </a:extLst>
+          </p:cNvPr>
+          <p:cNvPicPr>
+            <a:picLocks noChangeAspect="1"/>
+          </p:cNvPicPr>
+          <p:nvPr/>
+        </p:nvPicPr>
+        <p:blipFill>
+          <a:blip r:embed="rId3"/>
+          <a:stretch>
+            <a:fillRect/>
+          </a:stretch>
+        </p:blipFill>
+        <p:spPr>
+          <a:xfrm>
+            <a:off x="43019" y="1617095"/>
+            <a:ext cx="8865904" cy="4043938"/>
           </a:xfrm>
           <a:prstGeom prst="rect">
             <a:avLst/>
@@ -14192,18 +14222,18 @@
 </file>
 
 <file path=customXml/item2.xml><?xml version="1.0" encoding="utf-8"?>
-<p:properties xmlns:p="http://schemas.microsoft.com/office/2006/metadata/properties" xmlns:xsi="http://www.w3.org/2001/XMLSchema-instance" xmlns:pc="http://schemas.microsoft.com/office/infopath/2007/PartnerControls">
-  <documentManagement/>
-</p:properties>
-</file>
-
-<file path=customXml/item3.xml><?xml version="1.0" encoding="utf-8"?>
 <?mso-contentType ?>
 <FormTemplates xmlns="http://schemas.microsoft.com/sharepoint/v3/contenttype/forms">
   <Display>DocumentLibraryForm</Display>
   <Edit>DocumentLibraryForm</Edit>
   <New>DocumentLibraryForm</New>
 </FormTemplates>
+</file>
+
+<file path=customXml/item3.xml><?xml version="1.0" encoding="utf-8"?>
+<p:properties xmlns:p="http://schemas.microsoft.com/office/2006/metadata/properties" xmlns:xsi="http://www.w3.org/2001/XMLSchema-instance" xmlns:pc="http://schemas.microsoft.com/office/infopath/2007/PartnerControls">
+  <documentManagement/>
+</p:properties>
 </file>
 
 <file path=customXml/itemProps1.xml><?xml version="1.0" encoding="utf-8"?>
@@ -14225,6 +14255,14 @@
 </file>
 
 <file path=customXml/itemProps2.xml><?xml version="1.0" encoding="utf-8"?>
+<ds:datastoreItem xmlns:ds="http://schemas.openxmlformats.org/officeDocument/2006/customXml" ds:itemID="{47235FA5-7733-419F-A8E4-BE79EEF2ECBE}">
+  <ds:schemaRefs>
+    <ds:schemaRef ds:uri="http://schemas.microsoft.com/sharepoint/v3/contenttype/forms"/>
+  </ds:schemaRefs>
+</ds:datastoreItem>
+</file>
+
+<file path=customXml/itemProps3.xml><?xml version="1.0" encoding="utf-8"?>
 <ds:datastoreItem xmlns:ds="http://schemas.openxmlformats.org/officeDocument/2006/customXml" ds:itemID="{AFA811F0-0FEF-499D-AD7C-5BA21FA5EAD1}">
   <ds:schemaRefs>
     <ds:schemaRef ds:uri="http://purl.org/dc/elements/1.1/"/>
@@ -14238,12 +14276,4 @@
     <ds:schemaRef ds:uri="http://purl.org/dc/dcmitype/"/>
   </ds:schemaRefs>
 </ds:datastoreItem>
-</file>
-
-<file path=customXml/itemProps3.xml><?xml version="1.0" encoding="utf-8"?>
-<ds:datastoreItem xmlns:ds="http://schemas.openxmlformats.org/officeDocument/2006/customXml" ds:itemID="{47235FA5-7733-419F-A8E4-BE79EEF2ECBE}">
-  <ds:schemaRefs>
-    <ds:schemaRef ds:uri="http://schemas.microsoft.com/sharepoint/v3/contenttype/forms"/>
-  </ds:schemaRefs>
-</ds:datastoreItem>
 </file>